--- a/Documentation/projectapp.pptx
+++ b/Documentation/projectapp.pptx
@@ -9,13 +9,14 @@
     <p:sldId id="257" r:id="rId3"/>
     <p:sldId id="258" r:id="rId4"/>
     <p:sldId id="259" r:id="rId5"/>
-    <p:sldId id="260" r:id="rId6"/>
-    <p:sldId id="261" r:id="rId7"/>
-    <p:sldId id="262" r:id="rId8"/>
-    <p:sldId id="263" r:id="rId9"/>
-    <p:sldId id="265" r:id="rId10"/>
-    <p:sldId id="264" r:id="rId11"/>
-    <p:sldId id="266" r:id="rId12"/>
+    <p:sldId id="267" r:id="rId6"/>
+    <p:sldId id="260" r:id="rId7"/>
+    <p:sldId id="261" r:id="rId8"/>
+    <p:sldId id="262" r:id="rId9"/>
+    <p:sldId id="263" r:id="rId10"/>
+    <p:sldId id="265" r:id="rId11"/>
+    <p:sldId id="264" r:id="rId12"/>
+    <p:sldId id="266" r:id="rId13"/>
   </p:sldIdLst>
   <p:sldSz cx="12192000" cy="6858000"/>
   <p:notesSz cx="6858000" cy="9144000"/>
@@ -5991,6 +5992,392 @@
         <p:spPr>
           <a:xfrm>
             <a:off x="831850" y="854716"/>
+            <a:ext cx="2825750" cy="795956"/>
+          </a:xfrm>
+        </p:spPr>
+        <p:txBody>
+          <a:bodyPr>
+            <a:normAutofit/>
+          </a:bodyPr>
+          <a:lstStyle/>
+          <a:p>
+            <a:r>
+              <a:rPr lang="en-GB" dirty="0"/>
+              <a:t>Summary</a:t>
+            </a:r>
+          </a:p>
+        </p:txBody>
+      </p:sp>
+      <p:sp>
+        <p:nvSpPr>
+          <p:cNvPr id="3" name="Text Placeholder 2">
+            <a:extLst>
+              <a:ext uri="{FF2B5EF4-FFF2-40B4-BE49-F238E27FC236}">
+                <a16:creationId xmlns:a16="http://schemas.microsoft.com/office/drawing/2014/main" id="{B00122A7-FDB7-46B9-BE1D-1B8FF535384D}"/>
+              </a:ext>
+            </a:extLst>
+          </p:cNvPr>
+          <p:cNvSpPr>
+            <a:spLocks noGrp="1"/>
+          </p:cNvSpPr>
+          <p:nvPr>
+            <p:ph type="body" idx="1"/>
+          </p:nvPr>
+        </p:nvSpPr>
+        <p:spPr>
+          <a:xfrm>
+            <a:off x="831850" y="1745673"/>
+            <a:ext cx="3407641" cy="4257611"/>
+          </a:xfrm>
+        </p:spPr>
+        <p:txBody>
+          <a:bodyPr/>
+          <a:lstStyle/>
+          <a:p>
+            <a:r>
+              <a:rPr lang="en-GB" dirty="0"/>
+              <a:t>What went well:</a:t>
+            </a:r>
+          </a:p>
+          <a:p>
+            <a:pPr marL="342900" indent="-342900">
+              <a:buFont typeface="Arial" panose="020B0604020202020204" pitchFamily="34" charset="0"/>
+              <a:buChar char="•"/>
+            </a:pPr>
+            <a:r>
+              <a:rPr lang="en-GB" dirty="0"/>
+              <a:t>Using GitHub to manage the development of my app </a:t>
+            </a:r>
+          </a:p>
+          <a:p>
+            <a:pPr marL="342900" indent="-342900">
+              <a:buFont typeface="Arial" panose="020B0604020202020204" pitchFamily="34" charset="0"/>
+              <a:buChar char="•"/>
+            </a:pPr>
+            <a:r>
+              <a:rPr lang="en-GB" dirty="0"/>
+              <a:t>Creating the app with the flask API</a:t>
+            </a:r>
+          </a:p>
+          <a:p>
+            <a:pPr marL="342900" indent="-342900">
+              <a:buFont typeface="Arial" panose="020B0604020202020204" pitchFamily="34" charset="0"/>
+              <a:buChar char="•"/>
+            </a:pPr>
+            <a:endParaRPr lang="en-GB" dirty="0"/>
+          </a:p>
+          <a:p>
+            <a:pPr marL="342900" indent="-342900">
+              <a:buFont typeface="Arial" panose="020B0604020202020204" pitchFamily="34" charset="0"/>
+              <a:buChar char="•"/>
+            </a:pPr>
+            <a:endParaRPr lang="en-GB" dirty="0"/>
+          </a:p>
+          <a:p>
+            <a:pPr marL="342900" indent="-342900">
+              <a:buFont typeface="Arial" panose="020B0604020202020204" pitchFamily="34" charset="0"/>
+              <a:buChar char="•"/>
+            </a:pPr>
+            <a:endParaRPr lang="en-GB" dirty="0"/>
+          </a:p>
+        </p:txBody>
+      </p:sp>
+      <p:sp>
+        <p:nvSpPr>
+          <p:cNvPr id="5" name="Text Placeholder 2">
+            <a:extLst>
+              <a:ext uri="{FF2B5EF4-FFF2-40B4-BE49-F238E27FC236}">
+                <a16:creationId xmlns:a16="http://schemas.microsoft.com/office/drawing/2014/main" id="{C828B5D9-A009-46FE-86CE-5DC6E6F60176}"/>
+              </a:ext>
+            </a:extLst>
+          </p:cNvPr>
+          <p:cNvSpPr txBox="1">
+            <a:spLocks/>
+          </p:cNvSpPr>
+          <p:nvPr/>
+        </p:nvSpPr>
+        <p:spPr>
+          <a:xfrm>
+            <a:off x="6248690" y="1745673"/>
+            <a:ext cx="3407641" cy="4257611"/>
+          </a:xfrm>
+          <a:prstGeom prst="rect">
+            <a:avLst/>
+          </a:prstGeom>
+        </p:spPr>
+        <p:txBody>
+          <a:bodyPr vert="horz" lIns="91440" tIns="45720" rIns="91440" bIns="45720" rtlCol="0">
+            <a:normAutofit/>
+          </a:bodyPr>
+          <a:lstStyle>
+            <a:lvl1pPr marL="0" indent="0" algn="l" defTabSz="914400" rtl="0" eaLnBrk="1" latinLnBrk="0" hangingPunct="1">
+              <a:lnSpc>
+                <a:spcPct val="90000"/>
+              </a:lnSpc>
+              <a:spcBef>
+                <a:spcPts val="1000"/>
+              </a:spcBef>
+              <a:buFont typeface="Arial" panose="020B0604020202020204" pitchFamily="34" charset="0"/>
+              <a:buNone/>
+              <a:defRPr sz="2400" kern="1200">
+                <a:solidFill>
+                  <a:schemeClr val="tx1">
+                    <a:tint val="75000"/>
+                  </a:schemeClr>
+                </a:solidFill>
+                <a:latin typeface="+mn-lt"/>
+                <a:ea typeface="+mn-ea"/>
+                <a:cs typeface="+mn-cs"/>
+              </a:defRPr>
+            </a:lvl1pPr>
+            <a:lvl2pPr marL="457200" indent="0" algn="l" defTabSz="914400" rtl="0" eaLnBrk="1" latinLnBrk="0" hangingPunct="1">
+              <a:lnSpc>
+                <a:spcPct val="90000"/>
+              </a:lnSpc>
+              <a:spcBef>
+                <a:spcPts val="500"/>
+              </a:spcBef>
+              <a:buFont typeface="Arial" panose="020B0604020202020204" pitchFamily="34" charset="0"/>
+              <a:buNone/>
+              <a:defRPr sz="2000" kern="1200">
+                <a:solidFill>
+                  <a:schemeClr val="tx1">
+                    <a:tint val="75000"/>
+                  </a:schemeClr>
+                </a:solidFill>
+                <a:latin typeface="+mn-lt"/>
+                <a:ea typeface="+mn-ea"/>
+                <a:cs typeface="+mn-cs"/>
+              </a:defRPr>
+            </a:lvl2pPr>
+            <a:lvl3pPr marL="914400" indent="0" algn="l" defTabSz="914400" rtl="0" eaLnBrk="1" latinLnBrk="0" hangingPunct="1">
+              <a:lnSpc>
+                <a:spcPct val="90000"/>
+              </a:lnSpc>
+              <a:spcBef>
+                <a:spcPts val="500"/>
+              </a:spcBef>
+              <a:buFont typeface="Arial" panose="020B0604020202020204" pitchFamily="34" charset="0"/>
+              <a:buNone/>
+              <a:defRPr sz="1800" kern="1200">
+                <a:solidFill>
+                  <a:schemeClr val="tx1">
+                    <a:tint val="75000"/>
+                  </a:schemeClr>
+                </a:solidFill>
+                <a:latin typeface="+mn-lt"/>
+                <a:ea typeface="+mn-ea"/>
+                <a:cs typeface="+mn-cs"/>
+              </a:defRPr>
+            </a:lvl3pPr>
+            <a:lvl4pPr marL="1371600" indent="0" algn="l" defTabSz="914400" rtl="0" eaLnBrk="1" latinLnBrk="0" hangingPunct="1">
+              <a:lnSpc>
+                <a:spcPct val="90000"/>
+              </a:lnSpc>
+              <a:spcBef>
+                <a:spcPts val="500"/>
+              </a:spcBef>
+              <a:buFont typeface="Arial" panose="020B0604020202020204" pitchFamily="34" charset="0"/>
+              <a:buNone/>
+              <a:defRPr sz="1600" kern="1200">
+                <a:solidFill>
+                  <a:schemeClr val="tx1">
+                    <a:tint val="75000"/>
+                  </a:schemeClr>
+                </a:solidFill>
+                <a:latin typeface="+mn-lt"/>
+                <a:ea typeface="+mn-ea"/>
+                <a:cs typeface="+mn-cs"/>
+              </a:defRPr>
+            </a:lvl4pPr>
+            <a:lvl5pPr marL="1828800" indent="0" algn="l" defTabSz="914400" rtl="0" eaLnBrk="1" latinLnBrk="0" hangingPunct="1">
+              <a:lnSpc>
+                <a:spcPct val="90000"/>
+              </a:lnSpc>
+              <a:spcBef>
+                <a:spcPts val="500"/>
+              </a:spcBef>
+              <a:buFont typeface="Arial" panose="020B0604020202020204" pitchFamily="34" charset="0"/>
+              <a:buNone/>
+              <a:defRPr sz="1600" kern="1200">
+                <a:solidFill>
+                  <a:schemeClr val="tx1">
+                    <a:tint val="75000"/>
+                  </a:schemeClr>
+                </a:solidFill>
+                <a:latin typeface="+mn-lt"/>
+                <a:ea typeface="+mn-ea"/>
+                <a:cs typeface="+mn-cs"/>
+              </a:defRPr>
+            </a:lvl5pPr>
+            <a:lvl6pPr marL="2286000" indent="0" algn="l" defTabSz="914400" rtl="0" eaLnBrk="1" latinLnBrk="0" hangingPunct="1">
+              <a:lnSpc>
+                <a:spcPct val="90000"/>
+              </a:lnSpc>
+              <a:spcBef>
+                <a:spcPts val="500"/>
+              </a:spcBef>
+              <a:buFont typeface="Arial" panose="020B0604020202020204" pitchFamily="34" charset="0"/>
+              <a:buNone/>
+              <a:defRPr sz="1600" kern="1200">
+                <a:solidFill>
+                  <a:schemeClr val="tx1">
+                    <a:tint val="75000"/>
+                  </a:schemeClr>
+                </a:solidFill>
+                <a:latin typeface="+mn-lt"/>
+                <a:ea typeface="+mn-ea"/>
+                <a:cs typeface="+mn-cs"/>
+              </a:defRPr>
+            </a:lvl6pPr>
+            <a:lvl7pPr marL="2743200" indent="0" algn="l" defTabSz="914400" rtl="0" eaLnBrk="1" latinLnBrk="0" hangingPunct="1">
+              <a:lnSpc>
+                <a:spcPct val="90000"/>
+              </a:lnSpc>
+              <a:spcBef>
+                <a:spcPts val="500"/>
+              </a:spcBef>
+              <a:buFont typeface="Arial" panose="020B0604020202020204" pitchFamily="34" charset="0"/>
+              <a:buNone/>
+              <a:defRPr sz="1600" kern="1200">
+                <a:solidFill>
+                  <a:schemeClr val="tx1">
+                    <a:tint val="75000"/>
+                  </a:schemeClr>
+                </a:solidFill>
+                <a:latin typeface="+mn-lt"/>
+                <a:ea typeface="+mn-ea"/>
+                <a:cs typeface="+mn-cs"/>
+              </a:defRPr>
+            </a:lvl7pPr>
+            <a:lvl8pPr marL="3200400" indent="0" algn="l" defTabSz="914400" rtl="0" eaLnBrk="1" latinLnBrk="0" hangingPunct="1">
+              <a:lnSpc>
+                <a:spcPct val="90000"/>
+              </a:lnSpc>
+              <a:spcBef>
+                <a:spcPts val="500"/>
+              </a:spcBef>
+              <a:buFont typeface="Arial" panose="020B0604020202020204" pitchFamily="34" charset="0"/>
+              <a:buNone/>
+              <a:defRPr sz="1600" kern="1200">
+                <a:solidFill>
+                  <a:schemeClr val="tx1">
+                    <a:tint val="75000"/>
+                  </a:schemeClr>
+                </a:solidFill>
+                <a:latin typeface="+mn-lt"/>
+                <a:ea typeface="+mn-ea"/>
+                <a:cs typeface="+mn-cs"/>
+              </a:defRPr>
+            </a:lvl8pPr>
+            <a:lvl9pPr marL="3657600" indent="0" algn="l" defTabSz="914400" rtl="0" eaLnBrk="1" latinLnBrk="0" hangingPunct="1">
+              <a:lnSpc>
+                <a:spcPct val="90000"/>
+              </a:lnSpc>
+              <a:spcBef>
+                <a:spcPts val="500"/>
+              </a:spcBef>
+              <a:buFont typeface="Arial" panose="020B0604020202020204" pitchFamily="34" charset="0"/>
+              <a:buNone/>
+              <a:defRPr sz="1600" kern="1200">
+                <a:solidFill>
+                  <a:schemeClr val="tx1">
+                    <a:tint val="75000"/>
+                  </a:schemeClr>
+                </a:solidFill>
+                <a:latin typeface="+mn-lt"/>
+                <a:ea typeface="+mn-ea"/>
+                <a:cs typeface="+mn-cs"/>
+              </a:defRPr>
+            </a:lvl9pPr>
+          </a:lstStyle>
+          <a:p>
+            <a:r>
+              <a:rPr lang="en-GB" dirty="0"/>
+              <a:t>What didn’t go so well:</a:t>
+            </a:r>
+          </a:p>
+          <a:p>
+            <a:pPr marL="342900" indent="-342900">
+              <a:buFont typeface="Arial" panose="020B0604020202020204" pitchFamily="34" charset="0"/>
+              <a:buChar char="•"/>
+            </a:pPr>
+            <a:r>
+              <a:rPr lang="en-GB" dirty="0"/>
+              <a:t>Jenkins setup</a:t>
+            </a:r>
+          </a:p>
+          <a:p>
+            <a:pPr marL="342900" indent="-342900">
+              <a:buFont typeface="Arial" panose="020B0604020202020204" pitchFamily="34" charset="0"/>
+              <a:buChar char="•"/>
+            </a:pPr>
+            <a:r>
+              <a:rPr lang="en-GB" dirty="0"/>
+              <a:t>Code writing relating to best practice</a:t>
+            </a:r>
+          </a:p>
+          <a:p>
+            <a:pPr marL="342900" indent="-342900">
+              <a:buFont typeface="Arial" panose="020B0604020202020204" pitchFamily="34" charset="0"/>
+              <a:buChar char="•"/>
+            </a:pPr>
+            <a:r>
+              <a:rPr lang="en-GB" dirty="0"/>
+              <a:t>Project Management</a:t>
+            </a:r>
+          </a:p>
+        </p:txBody>
+      </p:sp>
+    </p:spTree>
+    <p:extLst>
+      <p:ext uri="{BB962C8B-B14F-4D97-AF65-F5344CB8AC3E}">
+        <p14:creationId xmlns:p14="http://schemas.microsoft.com/office/powerpoint/2010/main" val="1932155775"/>
+      </p:ext>
+    </p:extLst>
+  </p:cSld>
+  <p:clrMapOvr>
+    <a:masterClrMapping/>
+  </p:clrMapOvr>
+</p:sld>
+</file>
+
+<file path=ppt/slides/slide11.xml><?xml version="1.0" encoding="utf-8"?>
+<p:sld xmlns:a="http://schemas.openxmlformats.org/drawingml/2006/main" xmlns:r="http://schemas.openxmlformats.org/officeDocument/2006/relationships" xmlns:p="http://schemas.openxmlformats.org/presentationml/2006/main">
+  <p:cSld>
+    <p:spTree>
+      <p:nvGrpSpPr>
+        <p:cNvPr id="1" name=""/>
+        <p:cNvGrpSpPr/>
+        <p:nvPr/>
+      </p:nvGrpSpPr>
+      <p:grpSpPr>
+        <a:xfrm>
+          <a:off x="0" y="0"/>
+          <a:ext cx="0" cy="0"/>
+          <a:chOff x="0" y="0"/>
+          <a:chExt cx="0" cy="0"/>
+        </a:xfrm>
+      </p:grpSpPr>
+      <p:sp>
+        <p:nvSpPr>
+          <p:cNvPr id="2" name="Title 1">
+            <a:extLst>
+              <a:ext uri="{FF2B5EF4-FFF2-40B4-BE49-F238E27FC236}">
+                <a16:creationId xmlns:a16="http://schemas.microsoft.com/office/drawing/2014/main" id="{DC2718F6-425F-4397-82F0-938FEBA2A992}"/>
+              </a:ext>
+            </a:extLst>
+          </p:cNvPr>
+          <p:cNvSpPr>
+            <a:spLocks noGrp="1"/>
+          </p:cNvSpPr>
+          <p:nvPr>
+            <p:ph type="title"/>
+          </p:nvPr>
+        </p:nvSpPr>
+        <p:spPr>
+          <a:xfrm>
+            <a:off x="831850" y="854716"/>
             <a:ext cx="4405168" cy="795956"/>
           </a:xfrm>
         </p:spPr>
@@ -6020,7 +6407,7 @@
 </p:sld>
 </file>
 
-<file path=ppt/slides/slide11.xml><?xml version="1.0" encoding="utf-8"?>
+<file path=ppt/slides/slide12.xml><?xml version="1.0" encoding="utf-8"?>
 <p:sld xmlns:a="http://schemas.openxmlformats.org/drawingml/2006/main" xmlns:r="http://schemas.openxmlformats.org/officeDocument/2006/relationships" xmlns:p="http://schemas.openxmlformats.org/presentationml/2006/main">
   <p:cSld>
     <p:spTree>
@@ -6337,7 +6724,11 @@
             </a:pPr>
             <a:r>
               <a:rPr lang="en-GB" dirty="0"/>
-              <a:t>A functioning CRUD Application</a:t>
+              <a:t>A functioning CRUD </a:t>
+            </a:r>
+            <a:r>
+              <a:rPr lang="en-GB" dirty="0" smtClean="0"/>
+              <a:t>Application</a:t>
             </a:r>
           </a:p>
           <a:p>
@@ -6345,10 +6736,7 @@
               <a:buFont typeface="Arial" panose="020B0604020202020204" pitchFamily="34" charset="0"/>
               <a:buChar char="•"/>
             </a:pPr>
-            <a:r>
-              <a:rPr lang="en-GB" dirty="0"/>
-              <a:t>Methodologies and Technologies</a:t>
-            </a:r>
+            <a:endParaRPr lang="en-GB" dirty="0"/>
           </a:p>
           <a:p>
             <a:pPr marL="342900" indent="-342900">
@@ -6357,8 +6745,40 @@
             </a:pPr>
             <a:r>
               <a:rPr lang="en-GB" dirty="0"/>
-              <a:t>Relational Database</a:t>
-            </a:r>
+              <a:t>Methodologies and </a:t>
+            </a:r>
+            <a:r>
+              <a:rPr lang="en-GB" dirty="0" smtClean="0"/>
+              <a:t>Technologies</a:t>
+            </a:r>
+          </a:p>
+          <a:p>
+            <a:pPr marL="342900" indent="-342900">
+              <a:buFont typeface="Arial" panose="020B0604020202020204" pitchFamily="34" charset="0"/>
+              <a:buChar char="•"/>
+            </a:pPr>
+            <a:endParaRPr lang="en-GB" dirty="0"/>
+          </a:p>
+          <a:p>
+            <a:pPr marL="342900" indent="-342900">
+              <a:buFont typeface="Arial" panose="020B0604020202020204" pitchFamily="34" charset="0"/>
+              <a:buChar char="•"/>
+            </a:pPr>
+            <a:r>
+              <a:rPr lang="en-GB" dirty="0"/>
+              <a:t>Relational </a:t>
+            </a:r>
+            <a:r>
+              <a:rPr lang="en-GB" dirty="0" smtClean="0"/>
+              <a:t>Database</a:t>
+            </a:r>
+          </a:p>
+          <a:p>
+            <a:pPr marL="342900" indent="-342900">
+              <a:buFont typeface="Arial" panose="020B0604020202020204" pitchFamily="34" charset="0"/>
+              <a:buChar char="•"/>
+            </a:pPr>
+            <a:endParaRPr lang="en-GB" dirty="0"/>
           </a:p>
           <a:p>
             <a:pPr marL="342900" indent="-342900">
@@ -6626,6 +7046,95 @@
           <p:cNvPr id="2" name="Title 1">
             <a:extLst>
               <a:ext uri="{FF2B5EF4-FFF2-40B4-BE49-F238E27FC236}">
+                <a16:creationId xmlns:a16="http://schemas.microsoft.com/office/drawing/2014/main" id="{C72A6C73-F582-46D9-A930-58B31BD0EA5B}"/>
+              </a:ext>
+            </a:extLst>
+          </p:cNvPr>
+          <p:cNvSpPr>
+            <a:spLocks noGrp="1"/>
+          </p:cNvSpPr>
+          <p:nvPr>
+            <p:ph type="title"/>
+          </p:nvPr>
+        </p:nvSpPr>
+        <p:spPr>
+          <a:xfrm>
+            <a:off x="831850" y="914441"/>
+            <a:ext cx="4013282" cy="831232"/>
+          </a:xfrm>
+        </p:spPr>
+        <p:txBody>
+          <a:bodyPr>
+            <a:normAutofit/>
+          </a:bodyPr>
+          <a:lstStyle/>
+          <a:p>
+            <a:r>
+              <a:rPr lang="en-GB" dirty="0"/>
+              <a:t>Solution</a:t>
+            </a:r>
+          </a:p>
+        </p:txBody>
+      </p:sp>
+      <p:pic>
+        <p:nvPicPr>
+          <p:cNvPr id="7" name="Picture 6"/>
+          <p:cNvPicPr>
+            <a:picLocks noChangeAspect="1"/>
+          </p:cNvPicPr>
+          <p:nvPr/>
+        </p:nvPicPr>
+        <p:blipFill>
+          <a:blip r:embed="rId2"/>
+          <a:stretch>
+            <a:fillRect/>
+          </a:stretch>
+        </p:blipFill>
+        <p:spPr>
+          <a:xfrm>
+            <a:off x="1531998" y="1745673"/>
+            <a:ext cx="6626268" cy="4925565"/>
+          </a:xfrm>
+          <a:prstGeom prst="rect">
+            <a:avLst/>
+          </a:prstGeom>
+        </p:spPr>
+      </p:pic>
+    </p:spTree>
+    <p:extLst>
+      <p:ext uri="{BB962C8B-B14F-4D97-AF65-F5344CB8AC3E}">
+        <p14:creationId xmlns:p14="http://schemas.microsoft.com/office/powerpoint/2010/main" val="4021769603"/>
+      </p:ext>
+    </p:extLst>
+  </p:cSld>
+  <p:clrMapOvr>
+    <a:masterClrMapping/>
+  </p:clrMapOvr>
+</p:sld>
+</file>
+
+<file path=ppt/slides/slide6.xml><?xml version="1.0" encoding="utf-8"?>
+<p:sld xmlns:a="http://schemas.openxmlformats.org/drawingml/2006/main" xmlns:r="http://schemas.openxmlformats.org/officeDocument/2006/relationships" xmlns:p="http://schemas.openxmlformats.org/presentationml/2006/main">
+  <p:cSld>
+    <p:spTree>
+      <p:nvGrpSpPr>
+        <p:cNvPr id="1" name=""/>
+        <p:cNvGrpSpPr/>
+        <p:nvPr/>
+      </p:nvGrpSpPr>
+      <p:grpSpPr>
+        <a:xfrm>
+          <a:off x="0" y="0"/>
+          <a:ext cx="0" cy="0"/>
+          <a:chOff x="0" y="0"/>
+          <a:chExt cx="0" cy="0"/>
+        </a:xfrm>
+      </p:grpSpPr>
+      <p:sp>
+        <p:nvSpPr>
+          <p:cNvPr id="2" name="Title 1">
+            <a:extLst>
+              <a:ext uri="{FF2B5EF4-FFF2-40B4-BE49-F238E27FC236}">
                 <a16:creationId xmlns:a16="http://schemas.microsoft.com/office/drawing/2014/main" id="{DC2718F6-425F-4397-82F0-938FEBA2A992}"/>
               </a:ext>
             </a:extLst>
@@ -6816,7 +7325,7 @@
 </p:sld>
 </file>
 
-<file path=ppt/slides/slide6.xml><?xml version="1.0" encoding="utf-8"?>
+<file path=ppt/slides/slide7.xml><?xml version="1.0" encoding="utf-8"?>
 <p:sld xmlns:a="http://schemas.openxmlformats.org/drawingml/2006/main" xmlns:r="http://schemas.openxmlformats.org/officeDocument/2006/relationships" xmlns:p="http://schemas.openxmlformats.org/presentationml/2006/main">
   <p:cSld>
     <p:spTree>
@@ -7017,7 +7526,7 @@
 </p:sld>
 </file>
 
-<file path=ppt/slides/slide7.xml><?xml version="1.0" encoding="utf-8"?>
+<file path=ppt/slides/slide8.xml><?xml version="1.0" encoding="utf-8"?>
 <p:sld xmlns:a="http://schemas.openxmlformats.org/drawingml/2006/main" xmlns:r="http://schemas.openxmlformats.org/officeDocument/2006/relationships" xmlns:p="http://schemas.openxmlformats.org/presentationml/2006/main">
   <p:cSld>
     <p:spTree>
@@ -7112,7 +7621,7 @@
 </p:sld>
 </file>
 
-<file path=ppt/slides/slide8.xml><?xml version="1.0" encoding="utf-8"?>
+<file path=ppt/slides/slide9.xml><?xml version="1.0" encoding="utf-8"?>
 <p:sld xmlns:a="http://schemas.openxmlformats.org/drawingml/2006/main" xmlns:r="http://schemas.openxmlformats.org/officeDocument/2006/relationships" xmlns:p="http://schemas.openxmlformats.org/presentationml/2006/main">
   <p:cSld>
     <p:spTree>
@@ -7209,7 +7718,7 @@
         <p:spPr>
           <a:xfrm>
             <a:off x="756914" y="2297003"/>
-            <a:ext cx="3775588" cy="646331"/>
+            <a:ext cx="3775588" cy="923330"/>
           </a:xfrm>
           <a:prstGeom prst="rect">
             <a:avLst/>
@@ -7228,8 +7737,15 @@
             </a:pPr>
             <a:r>
               <a:rPr lang="en-GB" dirty="0"/>
-              <a:t>Static Testing</a:t>
-            </a:r>
+              <a:t>Static </a:t>
+            </a:r>
+            <a:r>
+              <a:rPr lang="en-GB" dirty="0" smtClean="0"/>
+              <a:t>Testing</a:t>
+            </a:r>
+          </a:p>
+          <a:p>
+            <a:endParaRPr lang="en-GB" dirty="0"/>
           </a:p>
           <a:p>
             <a:pPr marL="285750" indent="-285750">
@@ -7247,392 +7763,6 @@
     <p:extLst>
       <p:ext uri="{BB962C8B-B14F-4D97-AF65-F5344CB8AC3E}">
         <p14:creationId xmlns:p14="http://schemas.microsoft.com/office/powerpoint/2010/main" val="2123794964"/>
-      </p:ext>
-    </p:extLst>
-  </p:cSld>
-  <p:clrMapOvr>
-    <a:masterClrMapping/>
-  </p:clrMapOvr>
-</p:sld>
-</file>
-
-<file path=ppt/slides/slide9.xml><?xml version="1.0" encoding="utf-8"?>
-<p:sld xmlns:a="http://schemas.openxmlformats.org/drawingml/2006/main" xmlns:r="http://schemas.openxmlformats.org/officeDocument/2006/relationships" xmlns:p="http://schemas.openxmlformats.org/presentationml/2006/main">
-  <p:cSld>
-    <p:spTree>
-      <p:nvGrpSpPr>
-        <p:cNvPr id="1" name=""/>
-        <p:cNvGrpSpPr/>
-        <p:nvPr/>
-      </p:nvGrpSpPr>
-      <p:grpSpPr>
-        <a:xfrm>
-          <a:off x="0" y="0"/>
-          <a:ext cx="0" cy="0"/>
-          <a:chOff x="0" y="0"/>
-          <a:chExt cx="0" cy="0"/>
-        </a:xfrm>
-      </p:grpSpPr>
-      <p:sp>
-        <p:nvSpPr>
-          <p:cNvPr id="2" name="Title 1">
-            <a:extLst>
-              <a:ext uri="{FF2B5EF4-FFF2-40B4-BE49-F238E27FC236}">
-                <a16:creationId xmlns:a16="http://schemas.microsoft.com/office/drawing/2014/main" id="{DC2718F6-425F-4397-82F0-938FEBA2A992}"/>
-              </a:ext>
-            </a:extLst>
-          </p:cNvPr>
-          <p:cNvSpPr>
-            <a:spLocks noGrp="1"/>
-          </p:cNvSpPr>
-          <p:nvPr>
-            <p:ph type="title"/>
-          </p:nvPr>
-        </p:nvSpPr>
-        <p:spPr>
-          <a:xfrm>
-            <a:off x="831850" y="854716"/>
-            <a:ext cx="2825750" cy="795956"/>
-          </a:xfrm>
-        </p:spPr>
-        <p:txBody>
-          <a:bodyPr>
-            <a:normAutofit/>
-          </a:bodyPr>
-          <a:lstStyle/>
-          <a:p>
-            <a:r>
-              <a:rPr lang="en-GB" dirty="0"/>
-              <a:t>Summary</a:t>
-            </a:r>
-          </a:p>
-        </p:txBody>
-      </p:sp>
-      <p:sp>
-        <p:nvSpPr>
-          <p:cNvPr id="3" name="Text Placeholder 2">
-            <a:extLst>
-              <a:ext uri="{FF2B5EF4-FFF2-40B4-BE49-F238E27FC236}">
-                <a16:creationId xmlns:a16="http://schemas.microsoft.com/office/drawing/2014/main" id="{B00122A7-FDB7-46B9-BE1D-1B8FF535384D}"/>
-              </a:ext>
-            </a:extLst>
-          </p:cNvPr>
-          <p:cNvSpPr>
-            <a:spLocks noGrp="1"/>
-          </p:cNvSpPr>
-          <p:nvPr>
-            <p:ph type="body" idx="1"/>
-          </p:nvPr>
-        </p:nvSpPr>
-        <p:spPr>
-          <a:xfrm>
-            <a:off x="831850" y="1745673"/>
-            <a:ext cx="3407641" cy="4257611"/>
-          </a:xfrm>
-        </p:spPr>
-        <p:txBody>
-          <a:bodyPr/>
-          <a:lstStyle/>
-          <a:p>
-            <a:r>
-              <a:rPr lang="en-GB" dirty="0"/>
-              <a:t>What went well:</a:t>
-            </a:r>
-          </a:p>
-          <a:p>
-            <a:pPr marL="342900" indent="-342900">
-              <a:buFont typeface="Arial" panose="020B0604020202020204" pitchFamily="34" charset="0"/>
-              <a:buChar char="•"/>
-            </a:pPr>
-            <a:r>
-              <a:rPr lang="en-GB" dirty="0"/>
-              <a:t>Using GitHub to manage the development of my app </a:t>
-            </a:r>
-          </a:p>
-          <a:p>
-            <a:pPr marL="342900" indent="-342900">
-              <a:buFont typeface="Arial" panose="020B0604020202020204" pitchFamily="34" charset="0"/>
-              <a:buChar char="•"/>
-            </a:pPr>
-            <a:r>
-              <a:rPr lang="en-GB" dirty="0"/>
-              <a:t>Creating the app with the flask API</a:t>
-            </a:r>
-          </a:p>
-          <a:p>
-            <a:pPr marL="342900" indent="-342900">
-              <a:buFont typeface="Arial" panose="020B0604020202020204" pitchFamily="34" charset="0"/>
-              <a:buChar char="•"/>
-            </a:pPr>
-            <a:endParaRPr lang="en-GB" dirty="0"/>
-          </a:p>
-          <a:p>
-            <a:pPr marL="342900" indent="-342900">
-              <a:buFont typeface="Arial" panose="020B0604020202020204" pitchFamily="34" charset="0"/>
-              <a:buChar char="•"/>
-            </a:pPr>
-            <a:endParaRPr lang="en-GB" dirty="0"/>
-          </a:p>
-          <a:p>
-            <a:pPr marL="342900" indent="-342900">
-              <a:buFont typeface="Arial" panose="020B0604020202020204" pitchFamily="34" charset="0"/>
-              <a:buChar char="•"/>
-            </a:pPr>
-            <a:endParaRPr lang="en-GB" dirty="0"/>
-          </a:p>
-        </p:txBody>
-      </p:sp>
-      <p:sp>
-        <p:nvSpPr>
-          <p:cNvPr id="5" name="Text Placeholder 2">
-            <a:extLst>
-              <a:ext uri="{FF2B5EF4-FFF2-40B4-BE49-F238E27FC236}">
-                <a16:creationId xmlns:a16="http://schemas.microsoft.com/office/drawing/2014/main" id="{C828B5D9-A009-46FE-86CE-5DC6E6F60176}"/>
-              </a:ext>
-            </a:extLst>
-          </p:cNvPr>
-          <p:cNvSpPr txBox="1">
-            <a:spLocks/>
-          </p:cNvSpPr>
-          <p:nvPr/>
-        </p:nvSpPr>
-        <p:spPr>
-          <a:xfrm>
-            <a:off x="6248690" y="1745673"/>
-            <a:ext cx="3407641" cy="4257611"/>
-          </a:xfrm>
-          <a:prstGeom prst="rect">
-            <a:avLst/>
-          </a:prstGeom>
-        </p:spPr>
-        <p:txBody>
-          <a:bodyPr vert="horz" lIns="91440" tIns="45720" rIns="91440" bIns="45720" rtlCol="0">
-            <a:normAutofit/>
-          </a:bodyPr>
-          <a:lstStyle>
-            <a:lvl1pPr marL="0" indent="0" algn="l" defTabSz="914400" rtl="0" eaLnBrk="1" latinLnBrk="0" hangingPunct="1">
-              <a:lnSpc>
-                <a:spcPct val="90000"/>
-              </a:lnSpc>
-              <a:spcBef>
-                <a:spcPts val="1000"/>
-              </a:spcBef>
-              <a:buFont typeface="Arial" panose="020B0604020202020204" pitchFamily="34" charset="0"/>
-              <a:buNone/>
-              <a:defRPr sz="2400" kern="1200">
-                <a:solidFill>
-                  <a:schemeClr val="tx1">
-                    <a:tint val="75000"/>
-                  </a:schemeClr>
-                </a:solidFill>
-                <a:latin typeface="+mn-lt"/>
-                <a:ea typeface="+mn-ea"/>
-                <a:cs typeface="+mn-cs"/>
-              </a:defRPr>
-            </a:lvl1pPr>
-            <a:lvl2pPr marL="457200" indent="0" algn="l" defTabSz="914400" rtl="0" eaLnBrk="1" latinLnBrk="0" hangingPunct="1">
-              <a:lnSpc>
-                <a:spcPct val="90000"/>
-              </a:lnSpc>
-              <a:spcBef>
-                <a:spcPts val="500"/>
-              </a:spcBef>
-              <a:buFont typeface="Arial" panose="020B0604020202020204" pitchFamily="34" charset="0"/>
-              <a:buNone/>
-              <a:defRPr sz="2000" kern="1200">
-                <a:solidFill>
-                  <a:schemeClr val="tx1">
-                    <a:tint val="75000"/>
-                  </a:schemeClr>
-                </a:solidFill>
-                <a:latin typeface="+mn-lt"/>
-                <a:ea typeface="+mn-ea"/>
-                <a:cs typeface="+mn-cs"/>
-              </a:defRPr>
-            </a:lvl2pPr>
-            <a:lvl3pPr marL="914400" indent="0" algn="l" defTabSz="914400" rtl="0" eaLnBrk="1" latinLnBrk="0" hangingPunct="1">
-              <a:lnSpc>
-                <a:spcPct val="90000"/>
-              </a:lnSpc>
-              <a:spcBef>
-                <a:spcPts val="500"/>
-              </a:spcBef>
-              <a:buFont typeface="Arial" panose="020B0604020202020204" pitchFamily="34" charset="0"/>
-              <a:buNone/>
-              <a:defRPr sz="1800" kern="1200">
-                <a:solidFill>
-                  <a:schemeClr val="tx1">
-                    <a:tint val="75000"/>
-                  </a:schemeClr>
-                </a:solidFill>
-                <a:latin typeface="+mn-lt"/>
-                <a:ea typeface="+mn-ea"/>
-                <a:cs typeface="+mn-cs"/>
-              </a:defRPr>
-            </a:lvl3pPr>
-            <a:lvl4pPr marL="1371600" indent="0" algn="l" defTabSz="914400" rtl="0" eaLnBrk="1" latinLnBrk="0" hangingPunct="1">
-              <a:lnSpc>
-                <a:spcPct val="90000"/>
-              </a:lnSpc>
-              <a:spcBef>
-                <a:spcPts val="500"/>
-              </a:spcBef>
-              <a:buFont typeface="Arial" panose="020B0604020202020204" pitchFamily="34" charset="0"/>
-              <a:buNone/>
-              <a:defRPr sz="1600" kern="1200">
-                <a:solidFill>
-                  <a:schemeClr val="tx1">
-                    <a:tint val="75000"/>
-                  </a:schemeClr>
-                </a:solidFill>
-                <a:latin typeface="+mn-lt"/>
-                <a:ea typeface="+mn-ea"/>
-                <a:cs typeface="+mn-cs"/>
-              </a:defRPr>
-            </a:lvl4pPr>
-            <a:lvl5pPr marL="1828800" indent="0" algn="l" defTabSz="914400" rtl="0" eaLnBrk="1" latinLnBrk="0" hangingPunct="1">
-              <a:lnSpc>
-                <a:spcPct val="90000"/>
-              </a:lnSpc>
-              <a:spcBef>
-                <a:spcPts val="500"/>
-              </a:spcBef>
-              <a:buFont typeface="Arial" panose="020B0604020202020204" pitchFamily="34" charset="0"/>
-              <a:buNone/>
-              <a:defRPr sz="1600" kern="1200">
-                <a:solidFill>
-                  <a:schemeClr val="tx1">
-                    <a:tint val="75000"/>
-                  </a:schemeClr>
-                </a:solidFill>
-                <a:latin typeface="+mn-lt"/>
-                <a:ea typeface="+mn-ea"/>
-                <a:cs typeface="+mn-cs"/>
-              </a:defRPr>
-            </a:lvl5pPr>
-            <a:lvl6pPr marL="2286000" indent="0" algn="l" defTabSz="914400" rtl="0" eaLnBrk="1" latinLnBrk="0" hangingPunct="1">
-              <a:lnSpc>
-                <a:spcPct val="90000"/>
-              </a:lnSpc>
-              <a:spcBef>
-                <a:spcPts val="500"/>
-              </a:spcBef>
-              <a:buFont typeface="Arial" panose="020B0604020202020204" pitchFamily="34" charset="0"/>
-              <a:buNone/>
-              <a:defRPr sz="1600" kern="1200">
-                <a:solidFill>
-                  <a:schemeClr val="tx1">
-                    <a:tint val="75000"/>
-                  </a:schemeClr>
-                </a:solidFill>
-                <a:latin typeface="+mn-lt"/>
-                <a:ea typeface="+mn-ea"/>
-                <a:cs typeface="+mn-cs"/>
-              </a:defRPr>
-            </a:lvl6pPr>
-            <a:lvl7pPr marL="2743200" indent="0" algn="l" defTabSz="914400" rtl="0" eaLnBrk="1" latinLnBrk="0" hangingPunct="1">
-              <a:lnSpc>
-                <a:spcPct val="90000"/>
-              </a:lnSpc>
-              <a:spcBef>
-                <a:spcPts val="500"/>
-              </a:spcBef>
-              <a:buFont typeface="Arial" panose="020B0604020202020204" pitchFamily="34" charset="0"/>
-              <a:buNone/>
-              <a:defRPr sz="1600" kern="1200">
-                <a:solidFill>
-                  <a:schemeClr val="tx1">
-                    <a:tint val="75000"/>
-                  </a:schemeClr>
-                </a:solidFill>
-                <a:latin typeface="+mn-lt"/>
-                <a:ea typeface="+mn-ea"/>
-                <a:cs typeface="+mn-cs"/>
-              </a:defRPr>
-            </a:lvl7pPr>
-            <a:lvl8pPr marL="3200400" indent="0" algn="l" defTabSz="914400" rtl="0" eaLnBrk="1" latinLnBrk="0" hangingPunct="1">
-              <a:lnSpc>
-                <a:spcPct val="90000"/>
-              </a:lnSpc>
-              <a:spcBef>
-                <a:spcPts val="500"/>
-              </a:spcBef>
-              <a:buFont typeface="Arial" panose="020B0604020202020204" pitchFamily="34" charset="0"/>
-              <a:buNone/>
-              <a:defRPr sz="1600" kern="1200">
-                <a:solidFill>
-                  <a:schemeClr val="tx1">
-                    <a:tint val="75000"/>
-                  </a:schemeClr>
-                </a:solidFill>
-                <a:latin typeface="+mn-lt"/>
-                <a:ea typeface="+mn-ea"/>
-                <a:cs typeface="+mn-cs"/>
-              </a:defRPr>
-            </a:lvl8pPr>
-            <a:lvl9pPr marL="3657600" indent="0" algn="l" defTabSz="914400" rtl="0" eaLnBrk="1" latinLnBrk="0" hangingPunct="1">
-              <a:lnSpc>
-                <a:spcPct val="90000"/>
-              </a:lnSpc>
-              <a:spcBef>
-                <a:spcPts val="500"/>
-              </a:spcBef>
-              <a:buFont typeface="Arial" panose="020B0604020202020204" pitchFamily="34" charset="0"/>
-              <a:buNone/>
-              <a:defRPr sz="1600" kern="1200">
-                <a:solidFill>
-                  <a:schemeClr val="tx1">
-                    <a:tint val="75000"/>
-                  </a:schemeClr>
-                </a:solidFill>
-                <a:latin typeface="+mn-lt"/>
-                <a:ea typeface="+mn-ea"/>
-                <a:cs typeface="+mn-cs"/>
-              </a:defRPr>
-            </a:lvl9pPr>
-          </a:lstStyle>
-          <a:p>
-            <a:r>
-              <a:rPr lang="en-GB" dirty="0"/>
-              <a:t>What didn’t go so well:</a:t>
-            </a:r>
-          </a:p>
-          <a:p>
-            <a:pPr marL="342900" indent="-342900">
-              <a:buFont typeface="Arial" panose="020B0604020202020204" pitchFamily="34" charset="0"/>
-              <a:buChar char="•"/>
-            </a:pPr>
-            <a:r>
-              <a:rPr lang="en-GB" dirty="0"/>
-              <a:t>Jenkins setup</a:t>
-            </a:r>
-          </a:p>
-          <a:p>
-            <a:pPr marL="342900" indent="-342900">
-              <a:buFont typeface="Arial" panose="020B0604020202020204" pitchFamily="34" charset="0"/>
-              <a:buChar char="•"/>
-            </a:pPr>
-            <a:r>
-              <a:rPr lang="en-GB" dirty="0"/>
-              <a:t>Code writing relating to best practice</a:t>
-            </a:r>
-          </a:p>
-          <a:p>
-            <a:pPr marL="342900" indent="-342900">
-              <a:buFont typeface="Arial" panose="020B0604020202020204" pitchFamily="34" charset="0"/>
-              <a:buChar char="•"/>
-            </a:pPr>
-            <a:r>
-              <a:rPr lang="en-GB" dirty="0"/>
-              <a:t>Project Management</a:t>
-            </a:r>
-          </a:p>
-        </p:txBody>
-      </p:sp>
-    </p:spTree>
-    <p:extLst>
-      <p:ext uri="{BB962C8B-B14F-4D97-AF65-F5344CB8AC3E}">
-        <p14:creationId xmlns:p14="http://schemas.microsoft.com/office/powerpoint/2010/main" val="1932155775"/>
       </p:ext>
     </p:extLst>
   </p:cSld>
